--- a/Presentation CSS.pptx
+++ b/Presentation CSS.pptx
@@ -5,7 +5,7 @@
     <p:sldMasterId id="2147483684" r:id="rId1"/>
   </p:sldMasterIdLst>
   <p:notesMasterIdLst>
-    <p:notesMasterId r:id="rId11"/>
+    <p:notesMasterId r:id="rId17"/>
   </p:notesMasterIdLst>
   <p:sldIdLst>
     <p:sldId id="256" r:id="rId2"/>
@@ -17,6 +17,12 @@
     <p:sldId id="279" r:id="rId8"/>
     <p:sldId id="281" r:id="rId9"/>
     <p:sldId id="280" r:id="rId10"/>
+    <p:sldId id="282" r:id="rId11"/>
+    <p:sldId id="283" r:id="rId12"/>
+    <p:sldId id="284" r:id="rId13"/>
+    <p:sldId id="285" r:id="rId14"/>
+    <p:sldId id="286" r:id="rId15"/>
+    <p:sldId id="287" r:id="rId16"/>
   </p:sldIdLst>
   <p:sldSz cx="9144000" cy="6858000" type="screen4x3"/>
   <p:notesSz cx="6858000" cy="9144000"/>
@@ -5577,6 +5583,1060 @@
 </p:sld>
 </file>
 
+<file path=ppt/slides/slide10.xml><?xml version="1.0" encoding="utf-8"?>
+<p:sld xmlns:a="http://schemas.openxmlformats.org/drawingml/2006/main" xmlns:r="http://schemas.openxmlformats.org/officeDocument/2006/relationships" xmlns:p="http://schemas.openxmlformats.org/presentationml/2006/main">
+  <p:cSld>
+    <p:spTree>
+      <p:nvGrpSpPr>
+        <p:cNvPr id="1" name=""/>
+        <p:cNvGrpSpPr/>
+        <p:nvPr/>
+      </p:nvGrpSpPr>
+      <p:grpSpPr>
+        <a:xfrm>
+          <a:off x="0" y="0"/>
+          <a:ext cx="0" cy="0"/>
+          <a:chOff x="0" y="0"/>
+          <a:chExt cx="0" cy="0"/>
+        </a:xfrm>
+      </p:grpSpPr>
+      <p:sp>
+        <p:nvSpPr>
+          <p:cNvPr id="2" name="Title 1"/>
+          <p:cNvSpPr>
+            <a:spLocks noGrp="1"/>
+          </p:cNvSpPr>
+          <p:nvPr>
+            <p:ph type="title"/>
+          </p:nvPr>
+        </p:nvSpPr>
+        <p:spPr/>
+        <p:txBody>
+          <a:bodyPr/>
+          <a:lstStyle/>
+          <a:p>
+            <a:r>
+              <a:rPr lang="en-US" i="1" dirty="0" smtClean="0"/>
+              <a:t>6. Bootstrap</a:t>
+            </a:r>
+            <a:endParaRPr lang="en-US" dirty="0"/>
+          </a:p>
+        </p:txBody>
+      </p:sp>
+      <p:sp>
+        <p:nvSpPr>
+          <p:cNvPr id="3" name="Content Placeholder 2"/>
+          <p:cNvSpPr>
+            <a:spLocks noGrp="1"/>
+          </p:cNvSpPr>
+          <p:nvPr>
+            <p:ph sz="quarter" idx="1"/>
+          </p:nvPr>
+        </p:nvSpPr>
+        <p:spPr/>
+        <p:txBody>
+          <a:bodyPr/>
+          <a:lstStyle/>
+          <a:p>
+            <a:r>
+              <a:rPr lang="en-US" dirty="0"/>
+              <a:t>Bootstrap is a free collection of tools for creating websites and web applications</a:t>
+            </a:r>
+          </a:p>
+          <a:p>
+            <a:r>
+              <a:rPr lang="en-US" dirty="0"/>
+              <a:t>Bootstrap contains HTML and CSS-based design templates for text, forms, buttons, navigation and other components</a:t>
+            </a:r>
+          </a:p>
+          <a:p>
+            <a:endParaRPr lang="en-US" dirty="0"/>
+          </a:p>
+        </p:txBody>
+      </p:sp>
+    </p:spTree>
+    <p:extLst>
+      <p:ext uri="{BB962C8B-B14F-4D97-AF65-F5344CB8AC3E}">
+        <p14:creationId xmlns:p14="http://schemas.microsoft.com/office/powerpoint/2010/main" val="2936515995"/>
+      </p:ext>
+    </p:extLst>
+  </p:cSld>
+  <p:clrMapOvr>
+    <a:masterClrMapping/>
+  </p:clrMapOvr>
+  <p:timing>
+    <p:tnLst>
+      <p:par>
+        <p:cTn id="1" dur="indefinite" restart="never" nodeType="tmRoot"/>
+      </p:par>
+    </p:tnLst>
+  </p:timing>
+</p:sld>
+</file>
+
+<file path=ppt/slides/slide11.xml><?xml version="1.0" encoding="utf-8"?>
+<p:sld xmlns:a="http://schemas.openxmlformats.org/drawingml/2006/main" xmlns:r="http://schemas.openxmlformats.org/officeDocument/2006/relationships" xmlns:p="http://schemas.openxmlformats.org/presentationml/2006/main">
+  <p:cSld>
+    <p:spTree>
+      <p:nvGrpSpPr>
+        <p:cNvPr id="1" name=""/>
+        <p:cNvGrpSpPr/>
+        <p:nvPr/>
+      </p:nvGrpSpPr>
+      <p:grpSpPr>
+        <a:xfrm>
+          <a:off x="0" y="0"/>
+          <a:ext cx="0" cy="0"/>
+          <a:chOff x="0" y="0"/>
+          <a:chExt cx="0" cy="0"/>
+        </a:xfrm>
+      </p:grpSpPr>
+      <p:sp>
+        <p:nvSpPr>
+          <p:cNvPr id="2" name="Title 1"/>
+          <p:cNvSpPr>
+            <a:spLocks noGrp="1"/>
+          </p:cNvSpPr>
+          <p:nvPr>
+            <p:ph type="title"/>
+          </p:nvPr>
+        </p:nvSpPr>
+        <p:spPr/>
+        <p:txBody>
+          <a:bodyPr/>
+          <a:lstStyle/>
+          <a:p>
+            <a:r>
+              <a:rPr lang="en-US" dirty="0"/>
+              <a:t>What Does Bootstrap Include</a:t>
+            </a:r>
+            <a:r>
+              <a:rPr lang="en-US" dirty="0" smtClean="0"/>
+              <a:t>?</a:t>
+            </a:r>
+            <a:endParaRPr lang="en-US" dirty="0"/>
+          </a:p>
+        </p:txBody>
+      </p:sp>
+      <p:sp>
+        <p:nvSpPr>
+          <p:cNvPr id="3" name="Content Placeholder 2"/>
+          <p:cNvSpPr>
+            <a:spLocks noGrp="1"/>
+          </p:cNvSpPr>
+          <p:nvPr>
+            <p:ph sz="quarter" idx="1"/>
+          </p:nvPr>
+        </p:nvSpPr>
+        <p:spPr/>
+        <p:txBody>
+          <a:bodyPr>
+            <a:normAutofit lnSpcReduction="10000"/>
+          </a:bodyPr>
+          <a:lstStyle/>
+          <a:p>
+            <a:r>
+              <a:rPr lang="en-US" b="1" dirty="0"/>
+              <a:t>Scaffolding:</a:t>
+            </a:r>
+            <a:r>
+              <a:rPr lang="en-US" dirty="0"/>
+              <a:t> Contains layout, grid system, fluid grid system, and responsive design</a:t>
+            </a:r>
+          </a:p>
+          <a:p>
+            <a:r>
+              <a:rPr lang="en-US" b="1" dirty="0"/>
+              <a:t>Base CSS:</a:t>
+            </a:r>
+            <a:r>
+              <a:rPr lang="en-US" dirty="0"/>
+              <a:t> Contains classes for typography, tables, forms, buttons, images, and more</a:t>
+            </a:r>
+          </a:p>
+          <a:p>
+            <a:r>
+              <a:rPr lang="en-US" b="1" dirty="0"/>
+              <a:t>Components:</a:t>
+            </a:r>
+            <a:r>
+              <a:rPr lang="en-US" dirty="0"/>
+              <a:t> Contains reusable components: icons, dropdowns, </a:t>
+            </a:r>
+            <a:r>
+              <a:rPr lang="en-US" dirty="0" err="1"/>
+              <a:t>navbars</a:t>
+            </a:r>
+            <a:r>
+              <a:rPr lang="en-US" dirty="0"/>
+              <a:t>, breadcrumbs, alerts, and more</a:t>
+            </a:r>
+          </a:p>
+          <a:p>
+            <a:r>
+              <a:rPr lang="en-US" b="1" dirty="0"/>
+              <a:t>JavaScript Plugins:</a:t>
+            </a:r>
+            <a:r>
+              <a:rPr lang="en-US" dirty="0"/>
+              <a:t> Contains over a dozen custom </a:t>
+            </a:r>
+            <a:r>
+              <a:rPr lang="en-US" dirty="0" err="1"/>
+              <a:t>jQuery</a:t>
+            </a:r>
+            <a:r>
+              <a:rPr lang="en-US" dirty="0"/>
+              <a:t> plugins. You can include them all, or one by one</a:t>
+            </a:r>
+          </a:p>
+          <a:p>
+            <a:r>
+              <a:rPr lang="en-US" b="1" dirty="0"/>
+              <a:t>Customizable Components :</a:t>
+            </a:r>
+            <a:r>
+              <a:rPr lang="en-US" dirty="0"/>
+              <a:t> Customize Bootstrap's components, LESS variables, and </a:t>
+            </a:r>
+            <a:r>
+              <a:rPr lang="en-US" dirty="0" err="1"/>
+              <a:t>jQuery</a:t>
+            </a:r>
+            <a:r>
+              <a:rPr lang="en-US" dirty="0"/>
+              <a:t> plugins to create your own version</a:t>
+            </a:r>
+          </a:p>
+          <a:p>
+            <a:endParaRPr lang="en-US" dirty="0"/>
+          </a:p>
+        </p:txBody>
+      </p:sp>
+    </p:spTree>
+    <p:extLst>
+      <p:ext uri="{BB962C8B-B14F-4D97-AF65-F5344CB8AC3E}">
+        <p14:creationId xmlns:p14="http://schemas.microsoft.com/office/powerpoint/2010/main" val="3413342370"/>
+      </p:ext>
+    </p:extLst>
+  </p:cSld>
+  <p:clrMapOvr>
+    <a:masterClrMapping/>
+  </p:clrMapOvr>
+  <p:timing>
+    <p:tnLst>
+      <p:par>
+        <p:cTn id="1" dur="indefinite" restart="never" nodeType="tmRoot"/>
+      </p:par>
+    </p:tnLst>
+  </p:timing>
+</p:sld>
+</file>
+
+<file path=ppt/slides/slide12.xml><?xml version="1.0" encoding="utf-8"?>
+<p:sld xmlns:a="http://schemas.openxmlformats.org/drawingml/2006/main" xmlns:r="http://schemas.openxmlformats.org/officeDocument/2006/relationships" xmlns:p="http://schemas.openxmlformats.org/presentationml/2006/main">
+  <p:cSld>
+    <p:spTree>
+      <p:nvGrpSpPr>
+        <p:cNvPr id="1" name=""/>
+        <p:cNvGrpSpPr/>
+        <p:nvPr/>
+      </p:nvGrpSpPr>
+      <p:grpSpPr>
+        <a:xfrm>
+          <a:off x="0" y="0"/>
+          <a:ext cx="0" cy="0"/>
+          <a:chOff x="0" y="0"/>
+          <a:chExt cx="0" cy="0"/>
+        </a:xfrm>
+      </p:grpSpPr>
+      <p:sp>
+        <p:nvSpPr>
+          <p:cNvPr id="2" name="Title 1"/>
+          <p:cNvSpPr>
+            <a:spLocks noGrp="1"/>
+          </p:cNvSpPr>
+          <p:nvPr>
+            <p:ph type="title"/>
+          </p:nvPr>
+        </p:nvSpPr>
+        <p:spPr/>
+        <p:txBody>
+          <a:bodyPr/>
+          <a:lstStyle/>
+          <a:p>
+            <a:r>
+              <a:rPr lang="en-US" dirty="0"/>
+              <a:t>Bootstrap's Default </a:t>
+            </a:r>
+            <a:r>
+              <a:rPr lang="en-US" dirty="0" smtClean="0"/>
+              <a:t>Settings</a:t>
+            </a:r>
+            <a:endParaRPr lang="en-US" dirty="0"/>
+          </a:p>
+        </p:txBody>
+      </p:sp>
+      <p:sp>
+        <p:nvSpPr>
+          <p:cNvPr id="3" name="Content Placeholder 2"/>
+          <p:cNvSpPr>
+            <a:spLocks noGrp="1"/>
+          </p:cNvSpPr>
+          <p:nvPr>
+            <p:ph sz="quarter" idx="1"/>
+          </p:nvPr>
+        </p:nvSpPr>
+        <p:spPr/>
+        <p:txBody>
+          <a:bodyPr/>
+          <a:lstStyle/>
+          <a:p>
+            <a:r>
+              <a:rPr lang="en-US" dirty="0"/>
+              <a:t>The &lt;body&gt; element have a font-size of 14px, and a line-height of 1.428.</a:t>
+            </a:r>
+          </a:p>
+          <a:p>
+            <a:r>
+              <a:rPr lang="en-US" dirty="0"/>
+              <a:t>In addition, all &lt;p&gt; elements have a bottom margin that equals half their computed line-height (10px by default).</a:t>
+            </a:r>
+          </a:p>
+          <a:p>
+            <a:endParaRPr lang="en-US" dirty="0"/>
+          </a:p>
+        </p:txBody>
+      </p:sp>
+    </p:spTree>
+    <p:extLst>
+      <p:ext uri="{BB962C8B-B14F-4D97-AF65-F5344CB8AC3E}">
+        <p14:creationId xmlns:p14="http://schemas.microsoft.com/office/powerpoint/2010/main" val="685003063"/>
+      </p:ext>
+    </p:extLst>
+  </p:cSld>
+  <p:clrMapOvr>
+    <a:masterClrMapping/>
+  </p:clrMapOvr>
+  <p:timing>
+    <p:tnLst>
+      <p:par>
+        <p:cTn id="1" dur="indefinite" restart="never" nodeType="tmRoot"/>
+      </p:par>
+    </p:tnLst>
+  </p:timing>
+</p:sld>
+</file>
+
+<file path=ppt/slides/slide13.xml><?xml version="1.0" encoding="utf-8"?>
+<p:sld xmlns:a="http://schemas.openxmlformats.org/drawingml/2006/main" xmlns:r="http://schemas.openxmlformats.org/officeDocument/2006/relationships" xmlns:p="http://schemas.openxmlformats.org/presentationml/2006/main">
+  <p:cSld>
+    <p:spTree>
+      <p:nvGrpSpPr>
+        <p:cNvPr id="1" name=""/>
+        <p:cNvGrpSpPr/>
+        <p:nvPr/>
+      </p:nvGrpSpPr>
+      <p:grpSpPr>
+        <a:xfrm>
+          <a:off x="0" y="0"/>
+          <a:ext cx="0" cy="0"/>
+          <a:chOff x="0" y="0"/>
+          <a:chExt cx="0" cy="0"/>
+        </a:xfrm>
+      </p:grpSpPr>
+      <p:sp>
+        <p:nvSpPr>
+          <p:cNvPr id="2" name="Title 1"/>
+          <p:cNvSpPr>
+            <a:spLocks noGrp="1"/>
+          </p:cNvSpPr>
+          <p:nvPr>
+            <p:ph type="title"/>
+          </p:nvPr>
+        </p:nvSpPr>
+        <p:spPr/>
+        <p:txBody>
+          <a:bodyPr/>
+          <a:lstStyle/>
+          <a:p>
+            <a:r>
+              <a:rPr lang="en-US" dirty="0" smtClean="0"/>
+              <a:t>Text Elements</a:t>
+            </a:r>
+            <a:endParaRPr lang="en-US" dirty="0"/>
+          </a:p>
+        </p:txBody>
+      </p:sp>
+      <p:sp>
+        <p:nvSpPr>
+          <p:cNvPr id="3" name="Content Placeholder 2"/>
+          <p:cNvSpPr>
+            <a:spLocks noGrp="1"/>
+          </p:cNvSpPr>
+          <p:nvPr>
+            <p:ph sz="quarter" idx="1"/>
+          </p:nvPr>
+        </p:nvSpPr>
+        <p:spPr/>
+        <p:txBody>
+          <a:bodyPr/>
+          <a:lstStyle/>
+          <a:p>
+            <a:endParaRPr lang="en-US" dirty="0"/>
+          </a:p>
+        </p:txBody>
+      </p:sp>
+      <p:pic>
+        <p:nvPicPr>
+          <p:cNvPr id="1026" name="Picture 2"/>
+          <p:cNvPicPr>
+            <a:picLocks noChangeAspect="1" noChangeArrowheads="1"/>
+          </p:cNvPicPr>
+          <p:nvPr/>
+        </p:nvPicPr>
+        <p:blipFill>
+          <a:blip r:embed="rId2">
+            <a:extLst>
+              <a:ext uri="{28A0092B-C50C-407E-A947-70E740481C1C}">
+                <a14:useLocalDpi xmlns:a14="http://schemas.microsoft.com/office/drawing/2010/main" val="0"/>
+              </a:ext>
+            </a:extLst>
+          </a:blip>
+          <a:srcRect/>
+          <a:stretch>
+            <a:fillRect/>
+          </a:stretch>
+        </p:blipFill>
+        <p:spPr bwMode="auto">
+          <a:xfrm>
+            <a:off x="274749" y="1524000"/>
+            <a:ext cx="8458199" cy="2217815"/>
+          </a:xfrm>
+          <a:prstGeom prst="rect">
+            <a:avLst/>
+          </a:prstGeom>
+          <a:noFill/>
+          <a:ln>
+            <a:noFill/>
+          </a:ln>
+          <a:effectLst/>
+          <a:extLst>
+            <a:ext uri="{909E8E84-426E-40DD-AFC4-6F175D3DCCD1}">
+              <a14:hiddenFill xmlns:a14="http://schemas.microsoft.com/office/drawing/2010/main">
+                <a:solidFill>
+                  <a:schemeClr val="accent1"/>
+                </a:solidFill>
+              </a14:hiddenFill>
+            </a:ext>
+            <a:ext uri="{91240B29-F687-4F45-9708-019B960494DF}">
+              <a14:hiddenLine xmlns:a14="http://schemas.microsoft.com/office/drawing/2010/main" w="9525">
+                <a:solidFill>
+                  <a:schemeClr val="tx1"/>
+                </a:solidFill>
+                <a:miter lim="800000"/>
+                <a:headEnd/>
+                <a:tailEnd/>
+              </a14:hiddenLine>
+            </a:ext>
+            <a:ext uri="{AF507438-7753-43E0-B8FC-AC1667EBCBE1}">
+              <a14:hiddenEffects xmlns:a14="http://schemas.microsoft.com/office/drawing/2010/main">
+                <a:effectLst>
+                  <a:outerShdw dist="35921" dir="2700000" algn="ctr" rotWithShape="0">
+                    <a:schemeClr val="bg2"/>
+                  </a:outerShdw>
+                </a:effectLst>
+              </a14:hiddenEffects>
+            </a:ext>
+          </a:extLst>
+        </p:spPr>
+      </p:pic>
+      <p:pic>
+        <p:nvPicPr>
+          <p:cNvPr id="1027" name="Picture 3"/>
+          <p:cNvPicPr>
+            <a:picLocks noChangeAspect="1" noChangeArrowheads="1"/>
+          </p:cNvPicPr>
+          <p:nvPr/>
+        </p:nvPicPr>
+        <p:blipFill>
+          <a:blip r:embed="rId3">
+            <a:extLst>
+              <a:ext uri="{28A0092B-C50C-407E-A947-70E740481C1C}">
+                <a14:useLocalDpi xmlns:a14="http://schemas.microsoft.com/office/drawing/2010/main" val="0"/>
+              </a:ext>
+            </a:extLst>
+          </a:blip>
+          <a:srcRect/>
+          <a:stretch>
+            <a:fillRect/>
+          </a:stretch>
+        </p:blipFill>
+        <p:spPr bwMode="auto">
+          <a:xfrm>
+            <a:off x="215216" y="4073612"/>
+            <a:ext cx="8577263" cy="2174788"/>
+          </a:xfrm>
+          <a:prstGeom prst="rect">
+            <a:avLst/>
+          </a:prstGeom>
+          <a:noFill/>
+          <a:ln>
+            <a:noFill/>
+          </a:ln>
+          <a:effectLst/>
+          <a:extLst>
+            <a:ext uri="{909E8E84-426E-40DD-AFC4-6F175D3DCCD1}">
+              <a14:hiddenFill xmlns:a14="http://schemas.microsoft.com/office/drawing/2010/main">
+                <a:solidFill>
+                  <a:schemeClr val="accent1"/>
+                </a:solidFill>
+              </a14:hiddenFill>
+            </a:ext>
+            <a:ext uri="{91240B29-F687-4F45-9708-019B960494DF}">
+              <a14:hiddenLine xmlns:a14="http://schemas.microsoft.com/office/drawing/2010/main" w="9525">
+                <a:solidFill>
+                  <a:schemeClr val="tx1"/>
+                </a:solidFill>
+                <a:miter lim="800000"/>
+                <a:headEnd/>
+                <a:tailEnd/>
+              </a14:hiddenLine>
+            </a:ext>
+            <a:ext uri="{AF507438-7753-43E0-B8FC-AC1667EBCBE1}">
+              <a14:hiddenEffects xmlns:a14="http://schemas.microsoft.com/office/drawing/2010/main">
+                <a:effectLst>
+                  <a:outerShdw dist="35921" dir="2700000" algn="ctr" rotWithShape="0">
+                    <a:schemeClr val="bg2"/>
+                  </a:outerShdw>
+                </a:effectLst>
+              </a14:hiddenEffects>
+            </a:ext>
+          </a:extLst>
+        </p:spPr>
+      </p:pic>
+    </p:spTree>
+    <p:extLst>
+      <p:ext uri="{BB962C8B-B14F-4D97-AF65-F5344CB8AC3E}">
+        <p14:creationId xmlns:p14="http://schemas.microsoft.com/office/powerpoint/2010/main" val="1175249014"/>
+      </p:ext>
+    </p:extLst>
+  </p:cSld>
+  <p:clrMapOvr>
+    <a:masterClrMapping/>
+  </p:clrMapOvr>
+  <p:timing>
+    <p:tnLst>
+      <p:par>
+        <p:cTn id="1" dur="indefinite" restart="never" nodeType="tmRoot"/>
+      </p:par>
+    </p:tnLst>
+  </p:timing>
+</p:sld>
+</file>
+
+<file path=ppt/slides/slide14.xml><?xml version="1.0" encoding="utf-8"?>
+<p:sld xmlns:a="http://schemas.openxmlformats.org/drawingml/2006/main" xmlns:r="http://schemas.openxmlformats.org/officeDocument/2006/relationships" xmlns:p="http://schemas.openxmlformats.org/presentationml/2006/main">
+  <p:cSld>
+    <p:spTree>
+      <p:nvGrpSpPr>
+        <p:cNvPr id="1" name=""/>
+        <p:cNvGrpSpPr/>
+        <p:nvPr/>
+      </p:nvGrpSpPr>
+      <p:grpSpPr>
+        <a:xfrm>
+          <a:off x="0" y="0"/>
+          <a:ext cx="0" cy="0"/>
+          <a:chOff x="0" y="0"/>
+          <a:chExt cx="0" cy="0"/>
+        </a:xfrm>
+      </p:grpSpPr>
+      <p:sp>
+        <p:nvSpPr>
+          <p:cNvPr id="2" name="Title 1"/>
+          <p:cNvSpPr>
+            <a:spLocks noGrp="1"/>
+          </p:cNvSpPr>
+          <p:nvPr>
+            <p:ph type="title"/>
+          </p:nvPr>
+        </p:nvSpPr>
+        <p:spPr/>
+        <p:txBody>
+          <a:bodyPr/>
+          <a:lstStyle/>
+          <a:p>
+            <a:r>
+              <a:rPr lang="en-US" dirty="0" smtClean="0"/>
+              <a:t>Text Elements</a:t>
+            </a:r>
+            <a:endParaRPr lang="en-US" dirty="0"/>
+          </a:p>
+        </p:txBody>
+      </p:sp>
+      <p:sp>
+        <p:nvSpPr>
+          <p:cNvPr id="3" name="Content Placeholder 2"/>
+          <p:cNvSpPr>
+            <a:spLocks noGrp="1"/>
+          </p:cNvSpPr>
+          <p:nvPr>
+            <p:ph sz="quarter" idx="1"/>
+          </p:nvPr>
+        </p:nvSpPr>
+        <p:spPr/>
+        <p:txBody>
+          <a:bodyPr/>
+          <a:lstStyle/>
+          <a:p>
+            <a:endParaRPr lang="en-US" dirty="0"/>
+          </a:p>
+        </p:txBody>
+      </p:sp>
+      <p:pic>
+        <p:nvPicPr>
+          <p:cNvPr id="2050" name="Picture 2"/>
+          <p:cNvPicPr>
+            <a:picLocks noChangeAspect="1" noChangeArrowheads="1"/>
+          </p:cNvPicPr>
+          <p:nvPr/>
+        </p:nvPicPr>
+        <p:blipFill>
+          <a:blip r:embed="rId2">
+            <a:extLst>
+              <a:ext uri="{28A0092B-C50C-407E-A947-70E740481C1C}">
+                <a14:useLocalDpi xmlns:a14="http://schemas.microsoft.com/office/drawing/2010/main" val="0"/>
+              </a:ext>
+            </a:extLst>
+          </a:blip>
+          <a:srcRect/>
+          <a:stretch>
+            <a:fillRect/>
+          </a:stretch>
+        </p:blipFill>
+        <p:spPr bwMode="auto">
+          <a:xfrm>
+            <a:off x="152400" y="1676400"/>
+            <a:ext cx="8534400" cy="1653060"/>
+          </a:xfrm>
+          <a:prstGeom prst="rect">
+            <a:avLst/>
+          </a:prstGeom>
+          <a:noFill/>
+          <a:ln>
+            <a:noFill/>
+          </a:ln>
+          <a:effectLst/>
+          <a:extLst>
+            <a:ext uri="{909E8E84-426E-40DD-AFC4-6F175D3DCCD1}">
+              <a14:hiddenFill xmlns:a14="http://schemas.microsoft.com/office/drawing/2010/main">
+                <a:solidFill>
+                  <a:schemeClr val="accent1"/>
+                </a:solidFill>
+              </a14:hiddenFill>
+            </a:ext>
+            <a:ext uri="{91240B29-F687-4F45-9708-019B960494DF}">
+              <a14:hiddenLine xmlns:a14="http://schemas.microsoft.com/office/drawing/2010/main" w="9525">
+                <a:solidFill>
+                  <a:schemeClr val="tx1"/>
+                </a:solidFill>
+                <a:miter lim="800000"/>
+                <a:headEnd/>
+                <a:tailEnd/>
+              </a14:hiddenLine>
+            </a:ext>
+            <a:ext uri="{AF507438-7753-43E0-B8FC-AC1667EBCBE1}">
+              <a14:hiddenEffects xmlns:a14="http://schemas.microsoft.com/office/drawing/2010/main">
+                <a:effectLst>
+                  <a:outerShdw dist="35921" dir="2700000" algn="ctr" rotWithShape="0">
+                    <a:schemeClr val="bg2"/>
+                  </a:outerShdw>
+                </a:effectLst>
+              </a14:hiddenEffects>
+            </a:ext>
+          </a:extLst>
+        </p:spPr>
+      </p:pic>
+      <p:pic>
+        <p:nvPicPr>
+          <p:cNvPr id="2051" name="Picture 3"/>
+          <p:cNvPicPr>
+            <a:picLocks noChangeAspect="1" noChangeArrowheads="1"/>
+          </p:cNvPicPr>
+          <p:nvPr/>
+        </p:nvPicPr>
+        <p:blipFill>
+          <a:blip r:embed="rId3">
+            <a:extLst>
+              <a:ext uri="{28A0092B-C50C-407E-A947-70E740481C1C}">
+                <a14:useLocalDpi xmlns:a14="http://schemas.microsoft.com/office/drawing/2010/main" val="0"/>
+              </a:ext>
+            </a:extLst>
+          </a:blip>
+          <a:srcRect/>
+          <a:stretch>
+            <a:fillRect/>
+          </a:stretch>
+        </p:blipFill>
+        <p:spPr bwMode="auto">
+          <a:xfrm>
+            <a:off x="152400" y="3657600"/>
+            <a:ext cx="8534400" cy="1873871"/>
+          </a:xfrm>
+          <a:prstGeom prst="rect">
+            <a:avLst/>
+          </a:prstGeom>
+          <a:noFill/>
+          <a:ln>
+            <a:noFill/>
+          </a:ln>
+          <a:effectLst/>
+          <a:extLst>
+            <a:ext uri="{909E8E84-426E-40DD-AFC4-6F175D3DCCD1}">
+              <a14:hiddenFill xmlns:a14="http://schemas.microsoft.com/office/drawing/2010/main">
+                <a:solidFill>
+                  <a:schemeClr val="accent1"/>
+                </a:solidFill>
+              </a14:hiddenFill>
+            </a:ext>
+            <a:ext uri="{91240B29-F687-4F45-9708-019B960494DF}">
+              <a14:hiddenLine xmlns:a14="http://schemas.microsoft.com/office/drawing/2010/main" w="9525">
+                <a:solidFill>
+                  <a:schemeClr val="tx1"/>
+                </a:solidFill>
+                <a:miter lim="800000"/>
+                <a:headEnd/>
+                <a:tailEnd/>
+              </a14:hiddenLine>
+            </a:ext>
+            <a:ext uri="{AF507438-7753-43E0-B8FC-AC1667EBCBE1}">
+              <a14:hiddenEffects xmlns:a14="http://schemas.microsoft.com/office/drawing/2010/main">
+                <a:effectLst>
+                  <a:outerShdw dist="35921" dir="2700000" algn="ctr" rotWithShape="0">
+                    <a:schemeClr val="bg2"/>
+                  </a:outerShdw>
+                </a:effectLst>
+              </a14:hiddenEffects>
+            </a:ext>
+          </a:extLst>
+        </p:spPr>
+      </p:pic>
+    </p:spTree>
+    <p:extLst>
+      <p:ext uri="{BB962C8B-B14F-4D97-AF65-F5344CB8AC3E}">
+        <p14:creationId xmlns:p14="http://schemas.microsoft.com/office/powerpoint/2010/main" val="2062669937"/>
+      </p:ext>
+    </p:extLst>
+  </p:cSld>
+  <p:clrMapOvr>
+    <a:masterClrMapping/>
+  </p:clrMapOvr>
+  <p:timing>
+    <p:tnLst>
+      <p:par>
+        <p:cTn id="1" dur="indefinite" restart="never" nodeType="tmRoot"/>
+      </p:par>
+    </p:tnLst>
+  </p:timing>
+</p:sld>
+</file>
+
+<file path=ppt/slides/slide15.xml><?xml version="1.0" encoding="utf-8"?>
+<p:sld xmlns:a="http://schemas.openxmlformats.org/drawingml/2006/main" xmlns:r="http://schemas.openxmlformats.org/officeDocument/2006/relationships" xmlns:p="http://schemas.openxmlformats.org/presentationml/2006/main">
+  <p:cSld>
+    <p:spTree>
+      <p:nvGrpSpPr>
+        <p:cNvPr id="1" name=""/>
+        <p:cNvGrpSpPr/>
+        <p:nvPr/>
+      </p:nvGrpSpPr>
+      <p:grpSpPr>
+        <a:xfrm>
+          <a:off x="0" y="0"/>
+          <a:ext cx="0" cy="0"/>
+          <a:chOff x="0" y="0"/>
+          <a:chExt cx="0" cy="0"/>
+        </a:xfrm>
+      </p:grpSpPr>
+      <p:sp>
+        <p:nvSpPr>
+          <p:cNvPr id="2" name="Title 1"/>
+          <p:cNvSpPr>
+            <a:spLocks noGrp="1"/>
+          </p:cNvSpPr>
+          <p:nvPr>
+            <p:ph type="title"/>
+          </p:nvPr>
+        </p:nvSpPr>
+        <p:spPr>
+          <a:xfrm>
+            <a:off x="-21465" y="274638"/>
+            <a:ext cx="7467600" cy="1143000"/>
+          </a:xfrm>
+        </p:spPr>
+        <p:txBody>
+          <a:bodyPr/>
+          <a:lstStyle/>
+          <a:p>
+            <a:pPr algn="ctr"/>
+            <a:r>
+              <a:rPr lang="en-US" dirty="0" smtClean="0"/>
+              <a:t>More about </a:t>
+            </a:r>
+            <a:r>
+              <a:rPr lang="en-US" dirty="0" smtClean="0"/>
+              <a:t>BOOTSTRAP</a:t>
+            </a:r>
+            <a:endParaRPr lang="en-US" dirty="0"/>
+          </a:p>
+        </p:txBody>
+      </p:sp>
+      <p:sp>
+        <p:nvSpPr>
+          <p:cNvPr id="4" name="Content Placeholder 3"/>
+          <p:cNvSpPr txBox="1">
+            <a:spLocks noGrp="1"/>
+          </p:cNvSpPr>
+          <p:nvPr>
+            <p:ph sz="quarter" idx="1"/>
+          </p:nvPr>
+        </p:nvSpPr>
+        <p:spPr>
+          <a:xfrm>
+            <a:off x="228600" y="1447800"/>
+            <a:ext cx="7498080" cy="1538883"/>
+          </a:xfrm>
+          <a:prstGeom prst="rect">
+            <a:avLst/>
+          </a:prstGeom>
+          <a:noFill/>
+        </p:spPr>
+        <p:txBody>
+          <a:bodyPr wrap="square" rtlCol="0">
+            <a:spAutoFit/>
+          </a:bodyPr>
+          <a:lstStyle/>
+          <a:p>
+            <a:pPr marL="82296" indent="0" algn="ctr">
+              <a:buNone/>
+            </a:pPr>
+            <a:r>
+              <a:rPr lang="en-US" sz="2800" i="1" dirty="0" smtClean="0">
+                <a:solidFill>
+                  <a:schemeClr val="tx2">
+                    <a:satMod val="130000"/>
+                  </a:schemeClr>
+                </a:solidFill>
+                <a:effectLst>
+                  <a:outerShdw blurRad="50000" dist="30000" dir="5400000" algn="tl" rotWithShape="0">
+                    <a:srgbClr val="000000">
+                      <a:alpha val="30000"/>
+                    </a:srgbClr>
+                  </a:outerShdw>
+                </a:effectLst>
+                <a:latin typeface="+mj-lt"/>
+                <a:ea typeface="+mj-ea"/>
+                <a:cs typeface="+mj-cs"/>
+                <a:hlinkClick r:id="rId2"/>
+              </a:rPr>
+              <a:t>http</a:t>
+            </a:r>
+            <a:r>
+              <a:rPr lang="en-US" sz="2800" i="1" dirty="0">
+                <a:solidFill>
+                  <a:schemeClr val="tx2">
+                    <a:satMod val="130000"/>
+                  </a:schemeClr>
+                </a:solidFill>
+                <a:effectLst>
+                  <a:outerShdw blurRad="50000" dist="30000" dir="5400000" algn="tl" rotWithShape="0">
+                    <a:srgbClr val="000000">
+                      <a:alpha val="30000"/>
+                    </a:srgbClr>
+                  </a:outerShdw>
+                </a:effectLst>
+                <a:latin typeface="+mj-lt"/>
+                <a:ea typeface="+mj-ea"/>
+                <a:cs typeface="+mj-cs"/>
+                <a:hlinkClick r:id="rId2"/>
+              </a:rPr>
+              <a:t>://</a:t>
+            </a:r>
+            <a:r>
+              <a:rPr lang="en-US" sz="2800" i="1" dirty="0" smtClean="0">
+                <a:solidFill>
+                  <a:schemeClr val="tx2">
+                    <a:satMod val="130000"/>
+                  </a:schemeClr>
+                </a:solidFill>
+                <a:effectLst>
+                  <a:outerShdw blurRad="50000" dist="30000" dir="5400000" algn="tl" rotWithShape="0">
+                    <a:srgbClr val="000000">
+                      <a:alpha val="30000"/>
+                    </a:srgbClr>
+                  </a:outerShdw>
+                </a:effectLst>
+                <a:latin typeface="+mj-lt"/>
+                <a:ea typeface="+mj-ea"/>
+                <a:cs typeface="+mj-cs"/>
+                <a:hlinkClick r:id="rId2"/>
+              </a:rPr>
+              <a:t>www.w3schools.com/bootstraps/</a:t>
+            </a:r>
+            <a:endParaRPr lang="en-US" sz="2800" i="1" dirty="0" smtClean="0">
+              <a:solidFill>
+                <a:schemeClr val="tx2">
+                  <a:satMod val="130000"/>
+                </a:schemeClr>
+              </a:solidFill>
+              <a:effectLst>
+                <a:outerShdw blurRad="50000" dist="30000" dir="5400000" algn="tl" rotWithShape="0">
+                  <a:srgbClr val="000000">
+                    <a:alpha val="30000"/>
+                  </a:srgbClr>
+                </a:outerShdw>
+              </a:effectLst>
+              <a:latin typeface="+mj-lt"/>
+              <a:ea typeface="+mj-ea"/>
+              <a:cs typeface="+mj-cs"/>
+            </a:endParaRPr>
+          </a:p>
+          <a:p>
+            <a:pPr marL="82296" indent="0" algn="ctr">
+              <a:buNone/>
+            </a:pPr>
+            <a:r>
+              <a:rPr lang="en-US" sz="2800" i="1" dirty="0" smtClean="0">
+                <a:solidFill>
+                  <a:schemeClr val="tx2">
+                    <a:satMod val="130000"/>
+                  </a:schemeClr>
+                </a:solidFill>
+                <a:effectLst>
+                  <a:outerShdw blurRad="50000" dist="30000" dir="5400000" algn="tl" rotWithShape="0">
+                    <a:srgbClr val="000000">
+                      <a:alpha val="30000"/>
+                    </a:srgbClr>
+                  </a:outerShdw>
+                </a:effectLst>
+                <a:latin typeface="+mj-lt"/>
+                <a:ea typeface="+mj-ea"/>
+                <a:cs typeface="+mj-cs"/>
+                <a:hlinkClick r:id="rId3"/>
+              </a:rPr>
+              <a:t>http://getbootstrap.com/</a:t>
+            </a:r>
+            <a:endParaRPr lang="en-US" sz="2800" i="1" dirty="0" smtClean="0">
+              <a:solidFill>
+                <a:schemeClr val="tx2">
+                  <a:satMod val="130000"/>
+                </a:schemeClr>
+              </a:solidFill>
+              <a:effectLst>
+                <a:outerShdw blurRad="50000" dist="30000" dir="5400000" algn="tl" rotWithShape="0">
+                  <a:srgbClr val="000000">
+                    <a:alpha val="30000"/>
+                  </a:srgbClr>
+                </a:outerShdw>
+              </a:effectLst>
+              <a:latin typeface="+mj-lt"/>
+              <a:ea typeface="+mj-ea"/>
+              <a:cs typeface="+mj-cs"/>
+            </a:endParaRPr>
+          </a:p>
+          <a:p>
+            <a:pPr marL="82296" indent="0" algn="ctr">
+              <a:buNone/>
+            </a:pPr>
+            <a:endParaRPr lang="en-US" sz="2800" i="1" dirty="0">
+              <a:solidFill>
+                <a:schemeClr val="tx2">
+                  <a:satMod val="130000"/>
+                </a:schemeClr>
+              </a:solidFill>
+              <a:effectLst>
+                <a:outerShdw blurRad="50000" dist="30000" dir="5400000" algn="tl" rotWithShape="0">
+                  <a:srgbClr val="000000">
+                    <a:alpha val="30000"/>
+                  </a:srgbClr>
+                </a:outerShdw>
+              </a:effectLst>
+            </a:endParaRPr>
+          </a:p>
+        </p:txBody>
+      </p:sp>
+      <p:sp>
+        <p:nvSpPr>
+          <p:cNvPr id="6" name="TextBox 5"/>
+          <p:cNvSpPr txBox="1"/>
+          <p:nvPr/>
+        </p:nvSpPr>
+        <p:spPr>
+          <a:xfrm>
+            <a:off x="740535" y="2504941"/>
+            <a:ext cx="8077200" cy="1569660"/>
+          </a:xfrm>
+          <a:prstGeom prst="rect">
+            <a:avLst/>
+          </a:prstGeom>
+          <a:noFill/>
+        </p:spPr>
+        <p:txBody>
+          <a:bodyPr wrap="square" rtlCol="0">
+            <a:spAutoFit/>
+          </a:bodyPr>
+          <a:lstStyle/>
+          <a:p>
+            <a:pPr marL="342900" indent="-342900">
+              <a:buFont typeface="Arial" pitchFamily="34" charset="0"/>
+              <a:buChar char="•"/>
+            </a:pPr>
+            <a:endParaRPr lang="en-US" sz="2400" dirty="0" smtClean="0"/>
+          </a:p>
+          <a:p>
+            <a:pPr marL="342900" indent="-342900">
+              <a:buFont typeface="Arial" pitchFamily="34" charset="0"/>
+              <a:buChar char="•"/>
+            </a:pPr>
+            <a:endParaRPr lang="en-US" sz="2400" dirty="0"/>
+          </a:p>
+          <a:p>
+            <a:pPr marL="342900" indent="-342900">
+              <a:buFont typeface="Arial" pitchFamily="34" charset="0"/>
+              <a:buChar char="•"/>
+            </a:pPr>
+            <a:endParaRPr lang="en-US" sz="2400" dirty="0" smtClean="0"/>
+          </a:p>
+          <a:p>
+            <a:pPr marL="285750" indent="-285750">
+              <a:buFont typeface="Arial" pitchFamily="34" charset="0"/>
+              <a:buChar char="•"/>
+            </a:pPr>
+            <a:endParaRPr lang="en-US" sz="2400" dirty="0"/>
+          </a:p>
+        </p:txBody>
+      </p:sp>
+    </p:spTree>
+    <p:extLst>
+      <p:ext uri="{BB962C8B-B14F-4D97-AF65-F5344CB8AC3E}">
+        <p14:creationId xmlns:p14="http://schemas.microsoft.com/office/powerpoint/2010/main" val="3723738422"/>
+      </p:ext>
+    </p:extLst>
+  </p:cSld>
+  <p:clrMapOvr>
+    <a:masterClrMapping/>
+  </p:clrMapOvr>
+  <p:timing>
+    <p:tnLst>
+      <p:par>
+        <p:cTn id="1" dur="indefinite" restart="never" nodeType="tmRoot"/>
+      </p:par>
+    </p:tnLst>
+  </p:timing>
+</p:sld>
+</file>
+
 <file path=ppt/slides/slide2.xml><?xml version="1.0" encoding="utf-8"?>
 <p:sld xmlns:a="http://schemas.openxmlformats.org/drawingml/2006/main" xmlns:r="http://schemas.openxmlformats.org/officeDocument/2006/relationships" xmlns:p="http://schemas.openxmlformats.org/presentationml/2006/main">
   <p:cSld>
@@ -7297,7 +8357,7 @@
         <p:spPr>
           <a:xfrm>
             <a:off x="740535" y="2504941"/>
-            <a:ext cx="8077200" cy="2308324"/>
+            <a:ext cx="8077200" cy="1569660"/>
           </a:xfrm>
           <a:prstGeom prst="rect">
             <a:avLst/>
@@ -7329,14 +8389,6 @@
               <a:buChar char="•"/>
             </a:pPr>
             <a:endParaRPr lang="en-US" sz="2400" dirty="0" smtClean="0"/>
-          </a:p>
-          <a:p>
-            <a:pPr algn="ctr"/>
-            <a:r>
-              <a:rPr lang="en-US" sz="4800" dirty="0" smtClean="0"/>
-              <a:t>Thanks for listening.</a:t>
-            </a:r>
-            <a:endParaRPr lang="en-US" sz="4800" dirty="0"/>
           </a:p>
           <a:p>
             <a:pPr marL="285750" indent="-285750">
